--- a/sw report.pptx
+++ b/sw report.pptx
@@ -4788,6 +4788,18 @@
               </a:rPr>
             </a:br>
             <a:r>
+              <a:rPr lang="ko-KR" altLang="en-US" sz="1600" dirty="0" smtClean="0">
+                <a:solidFill>
+                  <a:schemeClr val="tx1">
+                    <a:lumMod val="85000"/>
+                    <a:lumOff val="15000"/>
+                  </a:schemeClr>
+                </a:solidFill>
+                <a:latin typeface="+mn-ea"/>
+              </a:rPr>
+              <a:t>우나</a:t>
+            </a:r>
+            <a:r>
               <a:rPr lang="en-US" altLang="ko-KR" sz="1600" dirty="0">
                 <a:solidFill>
                   <a:schemeClr val="tx1">
@@ -4810,6 +4822,78 @@
                 <a:latin typeface="+mn-ea"/>
               </a:rPr>
             </a:br>
+            <a:r>
+              <a:rPr lang="en-US" altLang="ko-KR" sz="1600" dirty="0" smtClean="0">
+                <a:solidFill>
+                  <a:schemeClr val="tx1">
+                    <a:lumMod val="85000"/>
+                    <a:lumOff val="15000"/>
+                  </a:schemeClr>
+                </a:solidFill>
+                <a:latin typeface="+mn-ea"/>
+              </a:rPr>
+              <a:t>(NOW</a:t>
+            </a:r>
+            <a:r>
+              <a:rPr lang="ko-KR" altLang="en-US" sz="1600" dirty="0" smtClean="0">
+                <a:solidFill>
+                  <a:schemeClr val="tx1">
+                    <a:lumMod val="85000"/>
+                    <a:lumOff val="15000"/>
+                  </a:schemeClr>
+                </a:solidFill>
+                <a:latin typeface="+mn-ea"/>
+              </a:rPr>
+              <a:t>를 반대로 한 것인데 지금 내가 </a:t>
+            </a:r>
+            <a:r>
+              <a:rPr lang="ko-KR" altLang="en-US" sz="1600" dirty="0" smtClean="0">
+                <a:solidFill>
+                  <a:schemeClr val="tx1">
+                    <a:lumMod val="85000"/>
+                    <a:lumOff val="15000"/>
+                  </a:schemeClr>
+                </a:solidFill>
+                <a:latin typeface="+mn-ea"/>
+              </a:rPr>
+              <a:t>보고</a:t>
+            </a:r>
+            <a:r>
+              <a:rPr lang="en-US" altLang="ko-KR" sz="1600" dirty="0" smtClean="0">
+                <a:solidFill>
+                  <a:schemeClr val="tx1">
+                    <a:lumMod val="85000"/>
+                    <a:lumOff val="15000"/>
+                  </a:schemeClr>
+                </a:solidFill>
+                <a:latin typeface="+mn-ea"/>
+              </a:rPr>
+              <a:t>, </a:t>
+            </a:r>
+            <a:r>
+              <a:rPr lang="ko-KR" altLang="en-US" sz="1600" dirty="0" smtClean="0">
+                <a:solidFill>
+                  <a:schemeClr val="tx1">
+                    <a:lumMod val="85000"/>
+                    <a:lumOff val="15000"/>
+                  </a:schemeClr>
+                </a:solidFill>
+                <a:latin typeface="+mn-ea"/>
+              </a:rPr>
+              <a:t>궁금한 것들을 바로 알 수 있기 때문에 그렇게 작명했다</a:t>
+            </a:r>
+            <a:r>
+              <a:rPr lang="en-US" altLang="ko-KR" sz="1600" dirty="0" smtClean="0">
+                <a:solidFill>
+                  <a:schemeClr val="tx1">
+                    <a:lumMod val="85000"/>
+                    <a:lumOff val="15000"/>
+                  </a:schemeClr>
+                </a:solidFill>
+                <a:latin typeface="+mn-ea"/>
+              </a:rPr>
+              <a:t>.)</a:t>
+            </a:r>
             <a:r>
               <a:rPr lang="en-US" altLang="ko-KR" sz="1600" dirty="0">
                 <a:solidFill>

--- a/sw report.pptx
+++ b/sw report.pptx
@@ -261,7 +261,7 @@
           <a:p>
             <a:fld id="{96E9B245-2076-40CB-ACDE-D58775C98695}" type="datetimeFigureOut">
               <a:rPr lang="ko-KR" altLang="en-US" smtClean="0"/>
-              <a:t>2020-11-25</a:t>
+              <a:t>2020-11-27</a:t>
             </a:fld>
             <a:endParaRPr lang="ko-KR" altLang="en-US"/>
           </a:p>
@@ -459,7 +459,7 @@
           <a:p>
             <a:fld id="{96E9B245-2076-40CB-ACDE-D58775C98695}" type="datetimeFigureOut">
               <a:rPr lang="ko-KR" altLang="en-US" smtClean="0"/>
-              <a:t>2020-11-25</a:t>
+              <a:t>2020-11-27</a:t>
             </a:fld>
             <a:endParaRPr lang="ko-KR" altLang="en-US"/>
           </a:p>
@@ -667,7 +667,7 @@
           <a:p>
             <a:fld id="{96E9B245-2076-40CB-ACDE-D58775C98695}" type="datetimeFigureOut">
               <a:rPr lang="ko-KR" altLang="en-US" smtClean="0"/>
-              <a:t>2020-11-25</a:t>
+              <a:t>2020-11-27</a:t>
             </a:fld>
             <a:endParaRPr lang="ko-KR" altLang="en-US"/>
           </a:p>
@@ -865,7 +865,7 @@
           <a:p>
             <a:fld id="{96E9B245-2076-40CB-ACDE-D58775C98695}" type="datetimeFigureOut">
               <a:rPr lang="ko-KR" altLang="en-US" smtClean="0"/>
-              <a:t>2020-11-25</a:t>
+              <a:t>2020-11-27</a:t>
             </a:fld>
             <a:endParaRPr lang="ko-KR" altLang="en-US"/>
           </a:p>
@@ -1140,7 +1140,7 @@
           <a:p>
             <a:fld id="{96E9B245-2076-40CB-ACDE-D58775C98695}" type="datetimeFigureOut">
               <a:rPr lang="ko-KR" altLang="en-US" smtClean="0"/>
-              <a:t>2020-11-25</a:t>
+              <a:t>2020-11-27</a:t>
             </a:fld>
             <a:endParaRPr lang="ko-KR" altLang="en-US"/>
           </a:p>
@@ -1405,7 +1405,7 @@
           <a:p>
             <a:fld id="{96E9B245-2076-40CB-ACDE-D58775C98695}" type="datetimeFigureOut">
               <a:rPr lang="ko-KR" altLang="en-US" smtClean="0"/>
-              <a:t>2020-11-25</a:t>
+              <a:t>2020-11-27</a:t>
             </a:fld>
             <a:endParaRPr lang="ko-KR" altLang="en-US"/>
           </a:p>
@@ -1817,7 +1817,7 @@
           <a:p>
             <a:fld id="{96E9B245-2076-40CB-ACDE-D58775C98695}" type="datetimeFigureOut">
               <a:rPr lang="ko-KR" altLang="en-US" smtClean="0"/>
-              <a:t>2020-11-25</a:t>
+              <a:t>2020-11-27</a:t>
             </a:fld>
             <a:endParaRPr lang="ko-KR" altLang="en-US"/>
           </a:p>
@@ -1958,7 +1958,7 @@
           <a:p>
             <a:fld id="{96E9B245-2076-40CB-ACDE-D58775C98695}" type="datetimeFigureOut">
               <a:rPr lang="ko-KR" altLang="en-US" smtClean="0"/>
-              <a:t>2020-11-25</a:t>
+              <a:t>2020-11-27</a:t>
             </a:fld>
             <a:endParaRPr lang="ko-KR" altLang="en-US"/>
           </a:p>
@@ -2071,7 +2071,7 @@
           <a:p>
             <a:fld id="{96E9B245-2076-40CB-ACDE-D58775C98695}" type="datetimeFigureOut">
               <a:rPr lang="ko-KR" altLang="en-US" smtClean="0"/>
-              <a:t>2020-11-25</a:t>
+              <a:t>2020-11-27</a:t>
             </a:fld>
             <a:endParaRPr lang="ko-KR" altLang="en-US"/>
           </a:p>
@@ -2382,7 +2382,7 @@
           <a:p>
             <a:fld id="{96E9B245-2076-40CB-ACDE-D58775C98695}" type="datetimeFigureOut">
               <a:rPr lang="ko-KR" altLang="en-US" smtClean="0"/>
-              <a:t>2020-11-25</a:t>
+              <a:t>2020-11-27</a:t>
             </a:fld>
             <a:endParaRPr lang="ko-KR" altLang="en-US"/>
           </a:p>
@@ -2670,7 +2670,7 @@
           <a:p>
             <a:fld id="{96E9B245-2076-40CB-ACDE-D58775C98695}" type="datetimeFigureOut">
               <a:rPr lang="ko-KR" altLang="en-US" smtClean="0"/>
-              <a:t>2020-11-25</a:t>
+              <a:t>2020-11-27</a:t>
             </a:fld>
             <a:endParaRPr lang="ko-KR" altLang="en-US"/>
           </a:p>
@@ -2911,7 +2911,7 @@
           <a:p>
             <a:fld id="{96E9B245-2076-40CB-ACDE-D58775C98695}" type="datetimeFigureOut">
               <a:rPr lang="ko-KR" altLang="en-US" smtClean="0"/>
-              <a:t>2020-11-25</a:t>
+              <a:t>2020-11-27</a:t>
             </a:fld>
             <a:endParaRPr lang="ko-KR" altLang="en-US"/>
           </a:p>
@@ -4844,19 +4844,7 @@
                 </a:solidFill>
                 <a:latin typeface="+mn-ea"/>
               </a:rPr>
-              <a:t>를 반대로 한 것인데 지금 내가 </a:t>
-            </a:r>
-            <a:r>
-              <a:rPr lang="ko-KR" altLang="en-US" sz="1600" dirty="0" smtClean="0">
-                <a:solidFill>
-                  <a:schemeClr val="tx1">
-                    <a:lumMod val="85000"/>
-                    <a:lumOff val="15000"/>
-                  </a:schemeClr>
-                </a:solidFill>
-                <a:latin typeface="+mn-ea"/>
-              </a:rPr>
-              <a:t>보고</a:t>
+              <a:t>를 반대로 한 것인데 지금 내가 보고</a:t>
             </a:r>
             <a:r>
               <a:rPr lang="en-US" altLang="ko-KR" sz="1600" dirty="0" smtClean="0">
@@ -5162,7 +5150,19 @@
                 </a:solidFill>
                 <a:latin typeface="+mn-ea"/>
               </a:rPr>
-              <a:t>: https://</a:t>
+              <a:t>: </a:t>
+            </a:r>
+            <a:r>
+              <a:rPr lang="en-US" altLang="ko-KR" dirty="0" smtClean="0">
+                <a:hlinkClick r:id="rId2"/>
+              </a:rPr>
+              <a:t>https</a:t>
+            </a:r>
+            <a:r>
+              <a:rPr lang="en-US" altLang="ko-KR" dirty="0">
+                <a:hlinkClick r:id="rId2"/>
+              </a:rPr>
+              <a:t>://parkcodms.github.io/tm/</a:t>
             </a:r>
             <a:endParaRPr lang="ko-KR" altLang="en-US" sz="2000" dirty="0">
               <a:solidFill>
